--- a/22 - Requisitos do Sistema (SSS).pptx
+++ b/22 - Requisitos do Sistema (SSS).pptx
@@ -7,6 +7,7 @@
   <p:sldIdLst>
     <p:sldId id="256" r:id="rId2"/>
     <p:sldId id="257" r:id="rId3"/>
+    <p:sldId id="258" r:id="rId4"/>
   </p:sldIdLst>
   <p:sldSz cx="12192000" cy="6858000"/>
   <p:notesSz cx="6858000" cy="9144000"/>
@@ -105,6 +106,11 @@
       </a:defRPr>
     </a:lvl9pPr>
   </p:defaultTextStyle>
+  <p:extLst>
+    <p:ext uri="{EFAFB233-063F-42B5-8137-9DF3F51BA10A}">
+      <p15:sldGuideLst xmlns:p15="http://schemas.microsoft.com/office/powerpoint/2012/main"/>
+    </p:ext>
+  </p:extLst>
 </p:presentation>
 </file>
 
@@ -239,7 +245,7 @@
           <a:p>
             <a:fld id="{1D61F0C5-2F2D-407B-B3A3-AC20EB3ABC01}" type="datetimeFigureOut">
               <a:rPr lang="pt-BR" smtClean="0"/>
-              <a:t>18/09/2020</a:t>
+              <a:t>09/10/2020</a:t>
             </a:fld>
             <a:endParaRPr lang="pt-BR"/>
           </a:p>
@@ -409,7 +415,7 @@
           <a:p>
             <a:fld id="{1D61F0C5-2F2D-407B-B3A3-AC20EB3ABC01}" type="datetimeFigureOut">
               <a:rPr lang="pt-BR" smtClean="0"/>
-              <a:t>18/09/2020</a:t>
+              <a:t>09/10/2020</a:t>
             </a:fld>
             <a:endParaRPr lang="pt-BR"/>
           </a:p>
@@ -589,7 +595,7 @@
           <a:p>
             <a:fld id="{1D61F0C5-2F2D-407B-B3A3-AC20EB3ABC01}" type="datetimeFigureOut">
               <a:rPr lang="pt-BR" smtClean="0"/>
-              <a:t>18/09/2020</a:t>
+              <a:t>09/10/2020</a:t>
             </a:fld>
             <a:endParaRPr lang="pt-BR"/>
           </a:p>
@@ -759,7 +765,7 @@
           <a:p>
             <a:fld id="{1D61F0C5-2F2D-407B-B3A3-AC20EB3ABC01}" type="datetimeFigureOut">
               <a:rPr lang="pt-BR" smtClean="0"/>
-              <a:t>18/09/2020</a:t>
+              <a:t>09/10/2020</a:t>
             </a:fld>
             <a:endParaRPr lang="pt-BR"/>
           </a:p>
@@ -1005,7 +1011,7 @@
           <a:p>
             <a:fld id="{1D61F0C5-2F2D-407B-B3A3-AC20EB3ABC01}" type="datetimeFigureOut">
               <a:rPr lang="pt-BR" smtClean="0"/>
-              <a:t>18/09/2020</a:t>
+              <a:t>09/10/2020</a:t>
             </a:fld>
             <a:endParaRPr lang="pt-BR"/>
           </a:p>
@@ -1237,7 +1243,7 @@
           <a:p>
             <a:fld id="{1D61F0C5-2F2D-407B-B3A3-AC20EB3ABC01}" type="datetimeFigureOut">
               <a:rPr lang="pt-BR" smtClean="0"/>
-              <a:t>18/09/2020</a:t>
+              <a:t>09/10/2020</a:t>
             </a:fld>
             <a:endParaRPr lang="pt-BR"/>
           </a:p>
@@ -1604,7 +1610,7 @@
           <a:p>
             <a:fld id="{1D61F0C5-2F2D-407B-B3A3-AC20EB3ABC01}" type="datetimeFigureOut">
               <a:rPr lang="pt-BR" smtClean="0"/>
-              <a:t>18/09/2020</a:t>
+              <a:t>09/10/2020</a:t>
             </a:fld>
             <a:endParaRPr lang="pt-BR"/>
           </a:p>
@@ -1722,7 +1728,7 @@
           <a:p>
             <a:fld id="{1D61F0C5-2F2D-407B-B3A3-AC20EB3ABC01}" type="datetimeFigureOut">
               <a:rPr lang="pt-BR" smtClean="0"/>
-              <a:t>18/09/2020</a:t>
+              <a:t>09/10/2020</a:t>
             </a:fld>
             <a:endParaRPr lang="pt-BR"/>
           </a:p>
@@ -1817,7 +1823,7 @@
           <a:p>
             <a:fld id="{1D61F0C5-2F2D-407B-B3A3-AC20EB3ABC01}" type="datetimeFigureOut">
               <a:rPr lang="pt-BR" smtClean="0"/>
-              <a:t>18/09/2020</a:t>
+              <a:t>09/10/2020</a:t>
             </a:fld>
             <a:endParaRPr lang="pt-BR"/>
           </a:p>
@@ -2094,7 +2100,7 @@
           <a:p>
             <a:fld id="{1D61F0C5-2F2D-407B-B3A3-AC20EB3ABC01}" type="datetimeFigureOut">
               <a:rPr lang="pt-BR" smtClean="0"/>
-              <a:t>18/09/2020</a:t>
+              <a:t>09/10/2020</a:t>
             </a:fld>
             <a:endParaRPr lang="pt-BR"/>
           </a:p>
@@ -2347,7 +2353,7 @@
           <a:p>
             <a:fld id="{1D61F0C5-2F2D-407B-B3A3-AC20EB3ABC01}" type="datetimeFigureOut">
               <a:rPr lang="pt-BR" smtClean="0"/>
-              <a:t>18/09/2020</a:t>
+              <a:t>09/10/2020</a:t>
             </a:fld>
             <a:endParaRPr lang="pt-BR"/>
           </a:p>
@@ -2560,7 +2566,7 @@
           <a:p>
             <a:fld id="{1D61F0C5-2F2D-407B-B3A3-AC20EB3ABC01}" type="datetimeFigureOut">
               <a:rPr lang="pt-BR" smtClean="0"/>
-              <a:t>18/09/2020</a:t>
+              <a:t>09/10/2020</a:t>
             </a:fld>
             <a:endParaRPr lang="pt-BR"/>
           </a:p>
@@ -3034,7 +3040,7 @@
         </p:nvSpPr>
         <p:spPr>
           <a:xfrm>
-            <a:off x="0" y="1325562"/>
+            <a:off x="0" y="965798"/>
             <a:ext cx="10515600" cy="5532437"/>
           </a:xfrm>
           <a:prstGeom prst="rect">
@@ -3214,33 +3220,8 @@
             </a:r>
             <a:r>
               <a:rPr lang="pt-BR" dirty="0" smtClean="0"/>
-              <a:t>-0001 - O sistema </a:t>
-            </a:r>
-            <a:r>
-              <a:rPr lang="pt-BR" dirty="0" smtClean="0"/>
-              <a:t>deve</a:t>
-            </a:r>
-            <a:r>
-              <a:rPr lang="pt-BR" dirty="0" smtClean="0"/>
-              <a:t> </a:t>
-            </a:r>
-            <a:r>
-              <a:rPr lang="pt-BR" dirty="0" smtClean="0"/>
-              <a:t>imprimir </a:t>
-            </a:r>
-            <a:r>
-              <a:rPr lang="pt-BR" dirty="0" smtClean="0"/>
-              <a:t>um pedido </a:t>
-            </a:r>
-            <a:r>
-              <a:rPr lang="pt-BR" dirty="0" smtClean="0"/>
-              <a:t>contendo um identificador </a:t>
-            </a:r>
-            <a:r>
-              <a:rPr lang="pt-BR" dirty="0" smtClean="0"/>
-              <a:t>único.</a:t>
-            </a:r>
-            <a:endParaRPr lang="pt-BR" dirty="0" smtClean="0"/>
+              <a:t>-0001 - O sistema deve imprimir um pedido contendo um identificador único.(Receber pedido)</a:t>
+            </a:r>
           </a:p>
           <a:p>
             <a:r>
@@ -3249,32 +3230,76 @@
             </a:r>
             <a:r>
               <a:rPr lang="pt-BR" dirty="0" smtClean="0"/>
-              <a:t>-0002 - O sistema </a:t>
+              <a:t>-0002 - O sistema deve exibir a quantidade de produtos disponíveis</a:t>
+            </a:r>
+            <a:r>
+              <a:rPr lang="pt-BR" dirty="0"/>
+              <a:t>. (Receber pedido)</a:t>
+            </a:r>
+            <a:endParaRPr lang="pt-BR" dirty="0" smtClean="0"/>
+          </a:p>
+          <a:p>
+            <a:r>
+              <a:rPr lang="pt-BR" dirty="0" err="1" smtClean="0"/>
+              <a:t>SSS</a:t>
+            </a:r>
+            <a:r>
+              <a:rPr lang="pt-BR" dirty="0" smtClean="0"/>
+              <a:t>-0003 </a:t>
+            </a:r>
+            <a:r>
+              <a:rPr lang="pt-BR" dirty="0"/>
+              <a:t>- </a:t>
+            </a:r>
+            <a:r>
+              <a:rPr lang="pt-BR" dirty="0" smtClean="0"/>
+              <a:t>O </a:t>
+            </a:r>
+            <a:r>
+              <a:rPr lang="pt-BR" dirty="0"/>
+              <a:t>Sistema </a:t>
             </a:r>
             <a:r>
               <a:rPr lang="pt-BR" dirty="0" smtClean="0"/>
               <a:t>deve </a:t>
             </a:r>
             <a:r>
+              <a:rPr lang="pt-BR" dirty="0"/>
+              <a:t>impedir acessos não autorizados</a:t>
+            </a:r>
+            <a:r>
               <a:rPr lang="pt-BR" dirty="0" smtClean="0"/>
-              <a:t>verificar se </a:t>
-            </a:r>
+              <a:t>.</a:t>
+            </a:r>
+          </a:p>
+          <a:p>
+            <a:pPr marL="0" indent="0">
+              <a:buNone/>
+            </a:pPr>
             <a:r>
               <a:rPr lang="pt-BR" dirty="0" smtClean="0"/>
-              <a:t>um pedido </a:t>
-            </a:r>
-            <a:r>
-              <a:rPr lang="pt-BR" dirty="0" smtClean="0"/>
-              <a:t>entregue por um cliente, corresponde a </a:t>
-            </a:r>
-            <a:r>
-              <a:rPr lang="pt-BR" dirty="0" smtClean="0"/>
-              <a:t>um pedido </a:t>
-            </a:r>
-            <a:r>
-              <a:rPr lang="pt-BR" dirty="0" smtClean="0"/>
-              <a:t>em aberto.</a:t>
-            </a:r>
+              <a:t>(</a:t>
+            </a:r>
+            <a:r>
+              <a:rPr lang="pt-BR" dirty="0">
+                <a:cs typeface="Arial" panose="020B0604020202020204" pitchFamily="34" charset="0"/>
+              </a:rPr>
+              <a:t>Receber pagamento em </a:t>
+            </a:r>
+            <a:r>
+              <a:rPr lang="pt-BR" dirty="0" smtClean="0">
+                <a:cs typeface="Arial" panose="020B0604020202020204" pitchFamily="34" charset="0"/>
+              </a:rPr>
+              <a:t>dinheiro</a:t>
+            </a:r>
+            <a:r>
+              <a:rPr lang="pt-BR" dirty="0" smtClean="0">
+                <a:latin typeface="Arial" panose="020B0604020202020204" pitchFamily="34" charset="0"/>
+                <a:cs typeface="Arial" panose="020B0604020202020204" pitchFamily="34" charset="0"/>
+              </a:rPr>
+              <a:t>)</a:t>
+            </a:r>
+            <a:endParaRPr lang="pt-BR" dirty="0" smtClean="0"/>
           </a:p>
           <a:p>
             <a:r>
@@ -3283,23 +3308,11 @@
             </a:r>
             <a:r>
               <a:rPr lang="pt-BR" dirty="0" smtClean="0"/>
-              <a:t>-0003 - O sistema </a:t>
-            </a:r>
-            <a:r>
-              <a:rPr lang="pt-BR" dirty="0" smtClean="0"/>
-              <a:t>deve</a:t>
-            </a:r>
-            <a:r>
-              <a:rPr lang="pt-BR" dirty="0" smtClean="0"/>
-              <a:t> </a:t>
-            </a:r>
-            <a:r>
-              <a:rPr lang="pt-BR" dirty="0" smtClean="0"/>
-              <a:t>exibir a quantidade de produtos </a:t>
-            </a:r>
-            <a:r>
-              <a:rPr lang="pt-BR" dirty="0" smtClean="0"/>
-              <a:t>disponíveis.</a:t>
+              <a:t>-0004 - O Sistema deve exibir o nome do cliente no </a:t>
+            </a:r>
+            <a:r>
+              <a:rPr lang="pt-BR" dirty="0"/>
+              <a:t>pedido. (Receber pedido)</a:t>
             </a:r>
             <a:endParaRPr lang="pt-BR" dirty="0" smtClean="0"/>
           </a:p>
@@ -3309,33 +3322,14 @@
               <a:t>SSS</a:t>
             </a:r>
             <a:r>
+              <a:rPr lang="pt-BR" dirty="0" smtClean="0"/>
+              <a:t>-0005 - O Sistema deve exibir o valor total dos produtos solicitados no pedido do </a:t>
+            </a:r>
+            <a:r>
               <a:rPr lang="pt-BR" dirty="0"/>
-              <a:t>-0004 - </a:t>
-            </a:r>
-            <a:r>
-              <a:rPr lang="pt-BR" dirty="0" smtClean="0"/>
-              <a:t>O </a:t>
-            </a:r>
-            <a:r>
-              <a:rPr lang="pt-BR" dirty="0"/>
-              <a:t>Sistema </a:t>
-            </a:r>
-            <a:r>
-              <a:rPr lang="pt-BR" dirty="0" smtClean="0"/>
-              <a:t>deve</a:t>
-            </a:r>
-            <a:r>
-              <a:rPr lang="pt-BR" dirty="0" smtClean="0"/>
-              <a:t> </a:t>
-            </a:r>
-            <a:r>
-              <a:rPr lang="pt-BR" dirty="0"/>
-              <a:t>impedir acessos não autorizados</a:t>
-            </a:r>
-            <a:r>
-              <a:rPr lang="pt-BR" dirty="0" smtClean="0"/>
-              <a:t>.</a:t>
-            </a:r>
+              <a:t>cliente. (Receber pedido)</a:t>
+            </a:r>
+            <a:endParaRPr lang="pt-BR" dirty="0" smtClean="0"/>
           </a:p>
           <a:p>
             <a:r>
@@ -3344,27 +3338,11 @@
             </a:r>
             <a:r>
               <a:rPr lang="pt-BR" dirty="0" smtClean="0"/>
-              <a:t>-0005 - O Sistema deve exibir o nome do cliente no pedido</a:t>
-            </a:r>
-          </a:p>
-          <a:p>
-            <a:r>
-              <a:rPr lang="pt-BR" dirty="0" err="1" smtClean="0"/>
-              <a:t>SSS</a:t>
-            </a:r>
-            <a:r>
-              <a:rPr lang="pt-BR" dirty="0" smtClean="0"/>
-              <a:t>-0006 - O Sistema deve exibir o valor total dos produtos solicitados no pedido do cliente</a:t>
-            </a:r>
-          </a:p>
-          <a:p>
-            <a:r>
-              <a:rPr lang="pt-BR" dirty="0" err="1" smtClean="0"/>
-              <a:t>SSS</a:t>
-            </a:r>
-            <a:r>
-              <a:rPr lang="pt-BR" dirty="0" smtClean="0"/>
-              <a:t>-0007 – O sistema deve exibir o nome dos produtos no pedido do cliente</a:t>
+              <a:t>-0006 – O sistema deve exibir o nome dos produtos no pedido do </a:t>
+            </a:r>
+            <a:r>
+              <a:rPr lang="pt-BR" dirty="0"/>
+              <a:t>cliente. (Receber pedido)</a:t>
             </a:r>
             <a:endParaRPr lang="pt-BR" dirty="0" smtClean="0"/>
           </a:p>
@@ -3460,7 +3438,7 @@
           </a:lstStyle>
           <a:p>
             <a:r>
-              <a:rPr lang="pt-BR" smtClean="0"/>
+              <a:rPr lang="pt-BR" dirty="0" smtClean="0"/>
               <a:t>Requisitos de Sistema</a:t>
             </a:r>
             <a:endParaRPr lang="pt-BR" dirty="0"/>
@@ -3483,8 +3461,8 @@
         </p:nvSpPr>
         <p:spPr>
           <a:xfrm>
-            <a:off x="0" y="1325562"/>
-            <a:ext cx="10515600" cy="5532437"/>
+            <a:off x="0" y="980788"/>
+            <a:ext cx="12192000" cy="5000287"/>
           </a:xfrm>
           <a:prstGeom prst="rect">
             <a:avLst/>
@@ -3663,11 +3641,7 @@
             </a:r>
             <a:r>
               <a:rPr lang="pt-BR" dirty="0" smtClean="0"/>
-              <a:t>-0008 </a:t>
-            </a:r>
-            <a:r>
-              <a:rPr lang="pt-BR" dirty="0" smtClean="0"/>
-              <a:t>- </a:t>
+              <a:t>-0007 - </a:t>
             </a:r>
             <a:r>
               <a:rPr lang="pt-BR" dirty="0"/>
@@ -3686,8 +3660,12 @@
               <a:t>cliente</a:t>
             </a:r>
             <a:r>
-              <a:rPr lang="pt-BR" dirty="0" smtClean="0"/>
-              <a:t>.</a:t>
+              <a:rPr lang="pt-BR" dirty="0"/>
+              <a:t>. (Receber </a:t>
+            </a:r>
+            <a:r>
+              <a:rPr lang="pt-BR" dirty="0"/>
+              <a:t>pedido, Tratar troca, Trocar por outro produto)</a:t>
             </a:r>
             <a:endParaRPr lang="pt-BR" dirty="0" smtClean="0"/>
           </a:p>
@@ -3698,11 +3676,7 @@
             </a:r>
             <a:r>
               <a:rPr lang="pt-BR" dirty="0" smtClean="0"/>
-              <a:t>-0009 </a:t>
-            </a:r>
-            <a:r>
-              <a:rPr lang="pt-BR" dirty="0" smtClean="0"/>
-              <a:t>- </a:t>
+              <a:t>-0008 - </a:t>
             </a:r>
             <a:r>
               <a:rPr lang="pt-BR" dirty="0"/>
@@ -3710,8 +3684,31 @@
             </a:r>
             <a:r>
               <a:rPr lang="pt-BR" dirty="0" smtClean="0"/>
-              <a:t>exibir a data que foi realizado o pedido.</a:t>
-            </a:r>
+              <a:t>exibir a data que foi realizado o pedido</a:t>
+            </a:r>
+            <a:r>
+              <a:rPr lang="pt-BR" dirty="0"/>
+              <a:t>. </a:t>
+            </a:r>
+            <a:endParaRPr lang="pt-BR" dirty="0" smtClean="0"/>
+          </a:p>
+          <a:p>
+            <a:pPr marL="0" indent="0">
+              <a:buNone/>
+            </a:pPr>
+            <a:r>
+              <a:rPr lang="pt-BR" dirty="0" smtClean="0"/>
+              <a:t>(</a:t>
+            </a:r>
+            <a:r>
+              <a:rPr lang="pt-BR" dirty="0"/>
+              <a:t>Receber </a:t>
+            </a:r>
+            <a:r>
+              <a:rPr lang="pt-BR" dirty="0"/>
+              <a:t>pedido, Tratar troca, Trocar por outro produto)</a:t>
+            </a:r>
+            <a:endParaRPr lang="pt-BR" dirty="0" smtClean="0"/>
           </a:p>
           <a:p>
             <a:r>
@@ -3720,11 +3717,7 @@
             </a:r>
             <a:r>
               <a:rPr lang="pt-BR" dirty="0" smtClean="0"/>
-              <a:t>-00010 </a:t>
-            </a:r>
-            <a:r>
-              <a:rPr lang="pt-BR" dirty="0" smtClean="0"/>
-              <a:t>- </a:t>
+              <a:t>-0009 - </a:t>
             </a:r>
             <a:r>
               <a:rPr lang="pt-BR" dirty="0"/>
@@ -3736,11 +3729,25 @@
             </a:r>
             <a:r>
               <a:rPr lang="pt-BR" dirty="0"/>
-              <a:t>que foi realizado o pedido</a:t>
-            </a:r>
+              <a:t>que foi realizado o pedido. </a:t>
+            </a:r>
+            <a:endParaRPr lang="pt-BR" dirty="0" smtClean="0"/>
+          </a:p>
+          <a:p>
+            <a:pPr marL="0" indent="0">
+              <a:buNone/>
+            </a:pPr>
             <a:r>
               <a:rPr lang="pt-BR" dirty="0" smtClean="0"/>
-              <a:t>.</a:t>
+              <a:t>(</a:t>
+            </a:r>
+            <a:r>
+              <a:rPr lang="pt-BR" dirty="0"/>
+              <a:t>Receber </a:t>
+            </a:r>
+            <a:r>
+              <a:rPr lang="pt-BR" dirty="0"/>
+              <a:t>pedido, Tratar troca, Trocar por outro produto)</a:t>
             </a:r>
             <a:endParaRPr lang="pt-BR" dirty="0" smtClean="0"/>
           </a:p>
@@ -3751,7 +3758,7 @@
             </a:r>
             <a:r>
               <a:rPr lang="pt-BR" dirty="0" smtClean="0"/>
-              <a:t>-0011 </a:t>
+              <a:t>-0010 </a:t>
             </a:r>
             <a:r>
               <a:rPr lang="pt-BR" dirty="0"/>
@@ -3767,12 +3774,31 @@
             </a:r>
             <a:r>
               <a:rPr lang="pt-BR" dirty="0" smtClean="0"/>
-              <a:t>deve</a:t>
-            </a:r>
-            <a:r>
-              <a:rPr lang="pt-BR" dirty="0" smtClean="0"/>
-              <a:t> exibir o valor do caixa.</a:t>
-            </a:r>
+              <a:t>deve exibir o valor do caixa.</a:t>
+            </a:r>
+          </a:p>
+          <a:p>
+            <a:pPr marL="0" indent="0">
+              <a:buNone/>
+            </a:pPr>
+            <a:r>
+              <a:rPr lang="pt-BR" dirty="0"/>
+              <a:t>(</a:t>
+            </a:r>
+            <a:r>
+              <a:rPr lang="pt-BR" dirty="0">
+                <a:cs typeface="Arial" panose="020B0604020202020204" pitchFamily="34" charset="0"/>
+              </a:rPr>
+              <a:t>Receber pagamento em dinheiro</a:t>
+            </a:r>
+            <a:r>
+              <a:rPr lang="pt-BR" dirty="0" smtClean="0">
+                <a:latin typeface="Arial" panose="020B0604020202020204" pitchFamily="34" charset="0"/>
+                <a:cs typeface="Arial" panose="020B0604020202020204" pitchFamily="34" charset="0"/>
+              </a:rPr>
+              <a:t>)</a:t>
+            </a:r>
+            <a:endParaRPr lang="pt-BR" dirty="0" smtClean="0"/>
           </a:p>
           <a:p>
             <a:r>
@@ -3781,36 +3807,17 @@
             </a:r>
             <a:r>
               <a:rPr lang="pt-BR" dirty="0" smtClean="0"/>
-              <a:t>-0012 - O Sistema deve ter no máximo 6 opções de botões em uma interface.</a:t>
-            </a:r>
-          </a:p>
-          <a:p>
-            <a:r>
-              <a:rPr lang="pt-BR" dirty="0" err="1" smtClean="0"/>
-              <a:t>SSS</a:t>
+              <a:t>-0011 - O Sistema deve ter no máximo 6 opções de botões em uma interface</a:t>
+            </a:r>
+            <a:r>
+              <a:rPr lang="pt-BR" dirty="0"/>
+              <a:t>. (Receber pedido</a:t>
             </a:r>
             <a:r>
               <a:rPr lang="pt-BR" dirty="0" smtClean="0"/>
-              <a:t>-0013 - O Sistema deve informar a forma de pagamento do pedido.</a:t>
-            </a:r>
-          </a:p>
-          <a:p>
-            <a:r>
-              <a:rPr lang="pt-BR" dirty="0" err="1" smtClean="0"/>
-              <a:t>SSS</a:t>
-            </a:r>
-            <a:r>
-              <a:rPr lang="pt-BR" dirty="0" smtClean="0"/>
-              <a:t>-0014 – Quando o atendente visualizar o pedido do cliente o sistema deve permitir realizar alterações no pedido.</a:t>
+              <a:t>)</a:t>
             </a:r>
             <a:endParaRPr lang="pt-BR" dirty="0" smtClean="0"/>
-          </a:p>
-          <a:p>
-            <a:pPr marL="0" indent="0">
-              <a:buFont typeface="Arial" panose="020B0604020202020204" pitchFamily="34" charset="0"/>
-              <a:buNone/>
-            </a:pPr>
-            <a:endParaRPr lang="pt-BR" dirty="0"/>
           </a:p>
         </p:txBody>
       </p:sp>
@@ -3818,6 +3825,340 @@
     <p:extLst>
       <p:ext uri="{BB962C8B-B14F-4D97-AF65-F5344CB8AC3E}">
         <p14:creationId xmlns:p14="http://schemas.microsoft.com/office/powerpoint/2010/main" val="406781791"/>
+      </p:ext>
+    </p:extLst>
+  </p:cSld>
+  <p:clrMapOvr>
+    <a:masterClrMapping/>
+  </p:clrMapOvr>
+</p:sld>
+</file>
+
+<file path=ppt/slides/slide3.xml><?xml version="1.0" encoding="utf-8"?>
+<p:sld xmlns:a="http://schemas.openxmlformats.org/drawingml/2006/main" xmlns:r="http://schemas.openxmlformats.org/officeDocument/2006/relationships" xmlns:p="http://schemas.openxmlformats.org/presentationml/2006/main">
+  <p:cSld>
+    <p:spTree>
+      <p:nvGrpSpPr>
+        <p:cNvPr id="1" name=""/>
+        <p:cNvGrpSpPr/>
+        <p:nvPr/>
+      </p:nvGrpSpPr>
+      <p:grpSpPr>
+        <a:xfrm>
+          <a:off x="0" y="0"/>
+          <a:ext cx="0" cy="0"/>
+          <a:chOff x="0" y="0"/>
+          <a:chExt cx="0" cy="0"/>
+        </a:xfrm>
+      </p:grpSpPr>
+      <p:sp>
+        <p:nvSpPr>
+          <p:cNvPr id="2" name="Título 1">
+            <a:extLst>
+              <a:ext uri="{FF2B5EF4-FFF2-40B4-BE49-F238E27FC236}">
+                <a16:creationId xmlns:a16="http://schemas.microsoft.com/office/drawing/2014/main" xmlns="" id="{AD489962-3FB4-4608-98F9-78AE7B2477D6}"/>
+              </a:ext>
+            </a:extLst>
+          </p:cNvPr>
+          <p:cNvSpPr txBox="1">
+            <a:spLocks/>
+          </p:cNvSpPr>
+          <p:nvPr/>
+        </p:nvSpPr>
+        <p:spPr>
+          <a:xfrm>
+            <a:off x="0" y="0"/>
+            <a:ext cx="10515600" cy="1325563"/>
+          </a:xfrm>
+          <a:prstGeom prst="rect">
+            <a:avLst/>
+          </a:prstGeom>
+        </p:spPr>
+        <p:txBody>
+          <a:bodyPr/>
+          <a:lstStyle>
+            <a:lvl1pPr algn="l" defTabSz="914400" rtl="0" eaLnBrk="1" latinLnBrk="0" hangingPunct="1">
+              <a:lnSpc>
+                <a:spcPct val="90000"/>
+              </a:lnSpc>
+              <a:spcBef>
+                <a:spcPct val="0"/>
+              </a:spcBef>
+              <a:buNone/>
+              <a:defRPr sz="4400" kern="1200">
+                <a:solidFill>
+                  <a:schemeClr val="tx1"/>
+                </a:solidFill>
+                <a:latin typeface="+mj-lt"/>
+                <a:ea typeface="+mj-ea"/>
+                <a:cs typeface="+mj-cs"/>
+              </a:defRPr>
+            </a:lvl1pPr>
+          </a:lstStyle>
+          <a:p>
+            <a:r>
+              <a:rPr lang="pt-BR" dirty="0" smtClean="0"/>
+              <a:t>Requisitos de Sistema</a:t>
+            </a:r>
+            <a:endParaRPr lang="pt-BR" dirty="0"/>
+          </a:p>
+        </p:txBody>
+      </p:sp>
+      <p:sp>
+        <p:nvSpPr>
+          <p:cNvPr id="4" name="Espaço Reservado para Conteúdo 2">
+            <a:extLst>
+              <a:ext uri="{FF2B5EF4-FFF2-40B4-BE49-F238E27FC236}">
+                <a16:creationId xmlns:a16="http://schemas.microsoft.com/office/drawing/2014/main" xmlns="" id="{F4E81FAB-B630-4C9D-ACDE-D7D9DC1E3CD8}"/>
+              </a:ext>
+            </a:extLst>
+          </p:cNvPr>
+          <p:cNvSpPr txBox="1">
+            <a:spLocks/>
+          </p:cNvSpPr>
+          <p:nvPr/>
+        </p:nvSpPr>
+        <p:spPr>
+          <a:xfrm>
+            <a:off x="0" y="1070730"/>
+            <a:ext cx="12192000" cy="5532437"/>
+          </a:xfrm>
+          <a:prstGeom prst="rect">
+            <a:avLst/>
+          </a:prstGeom>
+        </p:spPr>
+        <p:txBody>
+          <a:bodyPr/>
+          <a:lstStyle>
+            <a:lvl1pPr marL="228600" indent="-228600" algn="l" defTabSz="914400" rtl="0" eaLnBrk="1" latinLnBrk="0" hangingPunct="1">
+              <a:lnSpc>
+                <a:spcPct val="90000"/>
+              </a:lnSpc>
+              <a:spcBef>
+                <a:spcPts val="1000"/>
+              </a:spcBef>
+              <a:buFont typeface="Arial" panose="020B0604020202020204" pitchFamily="34" charset="0"/>
+              <a:buChar char="•"/>
+              <a:defRPr sz="2800" kern="1200">
+                <a:solidFill>
+                  <a:schemeClr val="tx1"/>
+                </a:solidFill>
+                <a:latin typeface="+mn-lt"/>
+                <a:ea typeface="+mn-ea"/>
+                <a:cs typeface="+mn-cs"/>
+              </a:defRPr>
+            </a:lvl1pPr>
+            <a:lvl2pPr marL="685800" indent="-228600" algn="l" defTabSz="914400" rtl="0" eaLnBrk="1" latinLnBrk="0" hangingPunct="1">
+              <a:lnSpc>
+                <a:spcPct val="90000"/>
+              </a:lnSpc>
+              <a:spcBef>
+                <a:spcPts val="500"/>
+              </a:spcBef>
+              <a:buFont typeface="Arial" panose="020B0604020202020204" pitchFamily="34" charset="0"/>
+              <a:buChar char="•"/>
+              <a:defRPr sz="2400" kern="1200">
+                <a:solidFill>
+                  <a:schemeClr val="tx1"/>
+                </a:solidFill>
+                <a:latin typeface="+mn-lt"/>
+                <a:ea typeface="+mn-ea"/>
+                <a:cs typeface="+mn-cs"/>
+              </a:defRPr>
+            </a:lvl2pPr>
+            <a:lvl3pPr marL="1143000" indent="-228600" algn="l" defTabSz="914400" rtl="0" eaLnBrk="1" latinLnBrk="0" hangingPunct="1">
+              <a:lnSpc>
+                <a:spcPct val="90000"/>
+              </a:lnSpc>
+              <a:spcBef>
+                <a:spcPts val="500"/>
+              </a:spcBef>
+              <a:buFont typeface="Arial" panose="020B0604020202020204" pitchFamily="34" charset="0"/>
+              <a:buChar char="•"/>
+              <a:defRPr sz="2000" kern="1200">
+                <a:solidFill>
+                  <a:schemeClr val="tx1"/>
+                </a:solidFill>
+                <a:latin typeface="+mn-lt"/>
+                <a:ea typeface="+mn-ea"/>
+                <a:cs typeface="+mn-cs"/>
+              </a:defRPr>
+            </a:lvl3pPr>
+            <a:lvl4pPr marL="1600200" indent="-228600" algn="l" defTabSz="914400" rtl="0" eaLnBrk="1" latinLnBrk="0" hangingPunct="1">
+              <a:lnSpc>
+                <a:spcPct val="90000"/>
+              </a:lnSpc>
+              <a:spcBef>
+                <a:spcPts val="500"/>
+              </a:spcBef>
+              <a:buFont typeface="Arial" panose="020B0604020202020204" pitchFamily="34" charset="0"/>
+              <a:buChar char="•"/>
+              <a:defRPr sz="1800" kern="1200">
+                <a:solidFill>
+                  <a:schemeClr val="tx1"/>
+                </a:solidFill>
+                <a:latin typeface="+mn-lt"/>
+                <a:ea typeface="+mn-ea"/>
+                <a:cs typeface="+mn-cs"/>
+              </a:defRPr>
+            </a:lvl4pPr>
+            <a:lvl5pPr marL="2057400" indent="-228600" algn="l" defTabSz="914400" rtl="0" eaLnBrk="1" latinLnBrk="0" hangingPunct="1">
+              <a:lnSpc>
+                <a:spcPct val="90000"/>
+              </a:lnSpc>
+              <a:spcBef>
+                <a:spcPts val="500"/>
+              </a:spcBef>
+              <a:buFont typeface="Arial" panose="020B0604020202020204" pitchFamily="34" charset="0"/>
+              <a:buChar char="•"/>
+              <a:defRPr sz="1800" kern="1200">
+                <a:solidFill>
+                  <a:schemeClr val="tx1"/>
+                </a:solidFill>
+                <a:latin typeface="+mn-lt"/>
+                <a:ea typeface="+mn-ea"/>
+                <a:cs typeface="+mn-cs"/>
+              </a:defRPr>
+            </a:lvl5pPr>
+            <a:lvl6pPr marL="2514600" indent="-228600" algn="l" defTabSz="914400" rtl="0" eaLnBrk="1" latinLnBrk="0" hangingPunct="1">
+              <a:lnSpc>
+                <a:spcPct val="90000"/>
+              </a:lnSpc>
+              <a:spcBef>
+                <a:spcPts val="500"/>
+              </a:spcBef>
+              <a:buFont typeface="Arial" panose="020B0604020202020204" pitchFamily="34" charset="0"/>
+              <a:buChar char="•"/>
+              <a:defRPr sz="1800" kern="1200">
+                <a:solidFill>
+                  <a:schemeClr val="tx1"/>
+                </a:solidFill>
+                <a:latin typeface="+mn-lt"/>
+                <a:ea typeface="+mn-ea"/>
+                <a:cs typeface="+mn-cs"/>
+              </a:defRPr>
+            </a:lvl6pPr>
+            <a:lvl7pPr marL="2971800" indent="-228600" algn="l" defTabSz="914400" rtl="0" eaLnBrk="1" latinLnBrk="0" hangingPunct="1">
+              <a:lnSpc>
+                <a:spcPct val="90000"/>
+              </a:lnSpc>
+              <a:spcBef>
+                <a:spcPts val="500"/>
+              </a:spcBef>
+              <a:buFont typeface="Arial" panose="020B0604020202020204" pitchFamily="34" charset="0"/>
+              <a:buChar char="•"/>
+              <a:defRPr sz="1800" kern="1200">
+                <a:solidFill>
+                  <a:schemeClr val="tx1"/>
+                </a:solidFill>
+                <a:latin typeface="+mn-lt"/>
+                <a:ea typeface="+mn-ea"/>
+                <a:cs typeface="+mn-cs"/>
+              </a:defRPr>
+            </a:lvl7pPr>
+            <a:lvl8pPr marL="3429000" indent="-228600" algn="l" defTabSz="914400" rtl="0" eaLnBrk="1" latinLnBrk="0" hangingPunct="1">
+              <a:lnSpc>
+                <a:spcPct val="90000"/>
+              </a:lnSpc>
+              <a:spcBef>
+                <a:spcPts val="500"/>
+              </a:spcBef>
+              <a:buFont typeface="Arial" panose="020B0604020202020204" pitchFamily="34" charset="0"/>
+              <a:buChar char="•"/>
+              <a:defRPr sz="1800" kern="1200">
+                <a:solidFill>
+                  <a:schemeClr val="tx1"/>
+                </a:solidFill>
+                <a:latin typeface="+mn-lt"/>
+                <a:ea typeface="+mn-ea"/>
+                <a:cs typeface="+mn-cs"/>
+              </a:defRPr>
+            </a:lvl8pPr>
+            <a:lvl9pPr marL="3886200" indent="-228600" algn="l" defTabSz="914400" rtl="0" eaLnBrk="1" latinLnBrk="0" hangingPunct="1">
+              <a:lnSpc>
+                <a:spcPct val="90000"/>
+              </a:lnSpc>
+              <a:spcBef>
+                <a:spcPts val="500"/>
+              </a:spcBef>
+              <a:buFont typeface="Arial" panose="020B0604020202020204" pitchFamily="34" charset="0"/>
+              <a:buChar char="•"/>
+              <a:defRPr sz="1800" kern="1200">
+                <a:solidFill>
+                  <a:schemeClr val="tx1"/>
+                </a:solidFill>
+                <a:latin typeface="+mn-lt"/>
+                <a:ea typeface="+mn-ea"/>
+                <a:cs typeface="+mn-cs"/>
+              </a:defRPr>
+            </a:lvl9pPr>
+          </a:lstStyle>
+          <a:p>
+            <a:r>
+              <a:rPr lang="pt-BR" dirty="0" err="1" smtClean="0"/>
+              <a:t>SSS</a:t>
+            </a:r>
+            <a:r>
+              <a:rPr lang="pt-BR" dirty="0" smtClean="0"/>
+              <a:t>-0012 - O Sistema deve informar a forma de pagamento do pedido.</a:t>
+            </a:r>
+          </a:p>
+          <a:p>
+            <a:pPr marL="0" indent="0">
+              <a:buNone/>
+            </a:pPr>
+            <a:r>
+              <a:rPr lang="pt-BR" dirty="0"/>
+              <a:t>(Receber </a:t>
+            </a:r>
+            <a:r>
+              <a:rPr lang="pt-BR" dirty="0" smtClean="0"/>
+              <a:t>pedido</a:t>
+            </a:r>
+            <a:r>
+              <a:rPr lang="pt-BR" dirty="0"/>
+              <a:t>, Tratar troca, Trocar por outro produto)</a:t>
+            </a:r>
+            <a:endParaRPr lang="pt-BR" dirty="0" smtClean="0"/>
+          </a:p>
+          <a:p>
+            <a:r>
+              <a:rPr lang="pt-BR" dirty="0" err="1" smtClean="0"/>
+              <a:t>SSS</a:t>
+            </a:r>
+            <a:r>
+              <a:rPr lang="pt-BR" dirty="0" smtClean="0"/>
+              <a:t>-0013 – Quando o atendente visualizar o pedido do cliente o sistema deve permitir realizar alterações no pedido</a:t>
+            </a:r>
+            <a:r>
+              <a:rPr lang="pt-BR" dirty="0"/>
+              <a:t>. (Receber </a:t>
+            </a:r>
+            <a:r>
+              <a:rPr lang="pt-BR" dirty="0" smtClean="0"/>
+              <a:t>pedido, Tratar troca, Trocar por outro produto)</a:t>
+            </a:r>
+            <a:endParaRPr lang="pt-BR" dirty="0"/>
+          </a:p>
+          <a:p>
+            <a:pPr marL="0" indent="0">
+              <a:buNone/>
+            </a:pPr>
+            <a:endParaRPr lang="pt-BR" dirty="0" smtClean="0"/>
+          </a:p>
+          <a:p>
+            <a:pPr marL="0" indent="0">
+              <a:buFont typeface="Arial" panose="020B0604020202020204" pitchFamily="34" charset="0"/>
+              <a:buNone/>
+            </a:pPr>
+            <a:endParaRPr lang="pt-BR" dirty="0"/>
+          </a:p>
+        </p:txBody>
+      </p:sp>
+    </p:spTree>
+    <p:extLst>
+      <p:ext uri="{BB962C8B-B14F-4D97-AF65-F5344CB8AC3E}">
+        <p14:creationId xmlns:p14="http://schemas.microsoft.com/office/powerpoint/2010/main" val="3361532644"/>
       </p:ext>
     </p:extLst>
   </p:cSld>
